--- a/ppt/Week01_Introduction.pptx
+++ b/ppt/Week01_Introduction.pptx
@@ -5,7 +5,7 @@
     <p:sldMasterId id="2147483660" r:id="rId1"/>
   </p:sldMasterIdLst>
   <p:notesMasterIdLst>
-    <p:notesMasterId r:id="rId22"/>
+    <p:notesMasterId r:id="rId24"/>
   </p:notesMasterIdLst>
   <p:sldIdLst>
     <p:sldId id="276" r:id="rId2"/>
@@ -28,6 +28,8 @@
     <p:sldId id="281" r:id="rId19"/>
     <p:sldId id="279" r:id="rId20"/>
     <p:sldId id="280" r:id="rId21"/>
+    <p:sldId id="283" r:id="rId22"/>
+    <p:sldId id="284" r:id="rId23"/>
   </p:sldIdLst>
   <p:sldSz cx="12192000" cy="6858000"/>
   <p:notesSz cx="6858000" cy="9144000"/>
@@ -216,7 +218,7 @@
           <a:p>
             <a:fld id="{B6D58A47-85CD-FD4D-97F5-BF55F4246CFB}" type="datetimeFigureOut">
               <a:rPr lang="en-TH" smtClean="0"/>
-              <a:t>25/1/2023 R</a:t>
+              <a:t>26/1/2023 R</a:t>
             </a:fld>
             <a:endParaRPr lang="en-TH"/>
           </a:p>
@@ -615,7 +617,7 @@
           <a:p>
             <a:fld id="{529FE6F0-DA39-6143-958C-805F415443B4}" type="datetime1">
               <a:rPr lang="en-US" smtClean="0"/>
-              <a:t>1/25/23</a:t>
+              <a:t>1/26/23</a:t>
             </a:fld>
             <a:endParaRPr lang="en-TH"/>
           </a:p>
@@ -789,7 +791,7 @@
           <a:p>
             <a:fld id="{FBF7F3AA-A2E0-424D-85CF-1E1D32B310D2}" type="datetime1">
               <a:rPr lang="en-US" smtClean="0"/>
-              <a:t>1/25/23</a:t>
+              <a:t>1/26/23</a:t>
             </a:fld>
             <a:endParaRPr lang="en-TH"/>
           </a:p>
@@ -973,7 +975,7 @@
           <a:p>
             <a:fld id="{4D1536A4-C12C-2047-9322-5147294CD5E6}" type="datetime1">
               <a:rPr lang="en-US" smtClean="0"/>
-              <a:t>1/25/23</a:t>
+              <a:t>1/26/23</a:t>
             </a:fld>
             <a:endParaRPr lang="en-TH"/>
           </a:p>
@@ -1147,7 +1149,7 @@
           <a:p>
             <a:fld id="{AF2E547B-FE12-0A4D-A386-99623443C375}" type="datetime1">
               <a:rPr lang="en-US" smtClean="0"/>
-              <a:t>1/25/23</a:t>
+              <a:t>1/26/23</a:t>
             </a:fld>
             <a:endParaRPr lang="en-TH"/>
           </a:p>
@@ -1397,7 +1399,7 @@
           <a:p>
             <a:fld id="{5B8C1F8C-E71A-0044-A276-6D9345E96BB9}" type="datetime1">
               <a:rPr lang="en-US" smtClean="0"/>
-              <a:t>1/25/23</a:t>
+              <a:t>1/26/23</a:t>
             </a:fld>
             <a:endParaRPr lang="en-TH"/>
           </a:p>
@@ -1633,7 +1635,7 @@
           <a:p>
             <a:fld id="{6E7E7F84-CF60-184E-8DA3-F83C25746EEF}" type="datetime1">
               <a:rPr lang="en-US" smtClean="0"/>
-              <a:t>1/25/23</a:t>
+              <a:t>1/26/23</a:t>
             </a:fld>
             <a:endParaRPr lang="en-TH"/>
           </a:p>
@@ -2004,7 +2006,7 @@
           <a:p>
             <a:fld id="{CD506F1D-5FBC-544B-BF5E-2A3206624F01}" type="datetime1">
               <a:rPr lang="en-US" smtClean="0"/>
-              <a:t>1/25/23</a:t>
+              <a:t>1/26/23</a:t>
             </a:fld>
             <a:endParaRPr lang="en-TH"/>
           </a:p>
@@ -2126,7 +2128,7 @@
           <a:p>
             <a:fld id="{D8FA923E-AB7B-CE47-8DB1-D3C63C2E9304}" type="datetime1">
               <a:rPr lang="en-US" smtClean="0"/>
-              <a:t>1/25/23</a:t>
+              <a:t>1/26/23</a:t>
             </a:fld>
             <a:endParaRPr lang="en-TH"/>
           </a:p>
@@ -2225,7 +2227,7 @@
           <a:p>
             <a:fld id="{F661578C-E61D-D243-B06D-1CD870E7DC47}" type="datetime1">
               <a:rPr lang="en-US" smtClean="0"/>
-              <a:t>1/25/23</a:t>
+              <a:t>1/26/23</a:t>
             </a:fld>
             <a:endParaRPr lang="en-TH"/>
           </a:p>
@@ -2506,7 +2508,7 @@
           <a:p>
             <a:fld id="{071C0D91-D7CF-C94B-AFF3-7AA06FE5419E}" type="datetime1">
               <a:rPr lang="en-US" smtClean="0"/>
-              <a:t>1/25/23</a:t>
+              <a:t>1/26/23</a:t>
             </a:fld>
             <a:endParaRPr lang="en-TH"/>
           </a:p>
@@ -2767,7 +2769,7 @@
           <a:p>
             <a:fld id="{7CED31DA-CDBE-424C-AB96-A936325C1497}" type="datetime1">
               <a:rPr lang="en-US" smtClean="0"/>
-              <a:t>1/25/23</a:t>
+              <a:t>1/26/23</a:t>
             </a:fld>
             <a:endParaRPr lang="en-TH"/>
           </a:p>
@@ -2989,7 +2991,7 @@
           <a:p>
             <a:fld id="{79311C15-B6F0-1740-BC9A-D22E28DD3500}" type="datetime1">
               <a:rPr lang="en-US" smtClean="0"/>
-              <a:t>1/25/23</a:t>
+              <a:t>1/26/23</a:t>
             </a:fld>
             <a:endParaRPr lang="en-TH" dirty="0"/>
           </a:p>
@@ -3434,7 +3436,7 @@
             </a:br>
             <a:r>
               <a:rPr lang="en-TH" dirty="0"/>
-              <a:t>Computer andData Types</a:t>
+              <a:t>Computer and Data Types</a:t>
             </a:r>
           </a:p>
         </p:txBody>
@@ -14357,6 +14359,1083 @@
 </p:sld>
 </file>
 
+<file path=ppt/slides/slide21.xml><?xml version="1.0" encoding="utf-8"?>
+<p:sld xmlns:a="http://schemas.openxmlformats.org/drawingml/2006/main" xmlns:r="http://schemas.openxmlformats.org/officeDocument/2006/relationships" xmlns:p="http://schemas.openxmlformats.org/presentationml/2006/main">
+  <p:cSld>
+    <p:spTree>
+      <p:nvGrpSpPr>
+        <p:cNvPr id="1" name=""/>
+        <p:cNvGrpSpPr/>
+        <p:nvPr/>
+      </p:nvGrpSpPr>
+      <p:grpSpPr>
+        <a:xfrm>
+          <a:off x="0" y="0"/>
+          <a:ext cx="0" cy="0"/>
+          <a:chOff x="0" y="0"/>
+          <a:chExt cx="0" cy="0"/>
+        </a:xfrm>
+      </p:grpSpPr>
+      <p:sp>
+        <p:nvSpPr>
+          <p:cNvPr id="2" name="Title 1">
+            <a:extLst>
+              <a:ext uri="{FF2B5EF4-FFF2-40B4-BE49-F238E27FC236}">
+                <a16:creationId xmlns:a16="http://schemas.microsoft.com/office/drawing/2014/main" id="{41B5D188-1C8E-1B91-0BE9-7756D76465E4}"/>
+              </a:ext>
+            </a:extLst>
+          </p:cNvPr>
+          <p:cNvSpPr>
+            <a:spLocks noGrp="1"/>
+          </p:cNvSpPr>
+          <p:nvPr>
+            <p:ph type="title"/>
+          </p:nvPr>
+        </p:nvSpPr>
+        <p:spPr/>
+        <p:txBody>
+          <a:bodyPr>
+            <a:normAutofit fontScale="90000"/>
+          </a:bodyPr>
+          <a:lstStyle/>
+          <a:p>
+            <a:r>
+              <a:rPr lang="en-TH" sz="2400" dirty="0">
+                <a:solidFill>
+                  <a:schemeClr val="accent4"/>
+                </a:solidFill>
+              </a:rPr>
+              <a:t>Programming Semantics</a:t>
+            </a:r>
+            <a:br>
+              <a:rPr lang="en-TH" dirty="0"/>
+            </a:br>
+            <a:r>
+              <a:rPr lang="en-TH" dirty="0"/>
+              <a:t>Program Flow &amp; </a:t>
+            </a:r>
+            <a:br>
+              <a:rPr lang="en-TH" dirty="0"/>
+            </a:br>
+            <a:r>
+              <a:rPr lang="en-TH" dirty="0"/>
+              <a:t>Control Flow</a:t>
+            </a:r>
+          </a:p>
+        </p:txBody>
+      </p:sp>
+      <p:sp>
+        <p:nvSpPr>
+          <p:cNvPr id="4" name="Footer Placeholder 3">
+            <a:extLst>
+              <a:ext uri="{FF2B5EF4-FFF2-40B4-BE49-F238E27FC236}">
+                <a16:creationId xmlns:a16="http://schemas.microsoft.com/office/drawing/2014/main" id="{BF97BC1C-D274-4CE0-EC09-A768639F1E66}"/>
+              </a:ext>
+            </a:extLst>
+          </p:cNvPr>
+          <p:cNvSpPr>
+            <a:spLocks noGrp="1"/>
+          </p:cNvSpPr>
+          <p:nvPr>
+            <p:ph type="ftr" sz="quarter" idx="11"/>
+          </p:nvPr>
+        </p:nvSpPr>
+        <p:spPr/>
+        <p:txBody>
+          <a:bodyPr/>
+          <a:lstStyle/>
+          <a:p>
+            <a:r>
+              <a:rPr lang="en-US"/>
+              <a:t>Introduction to Computer Programming</a:t>
+            </a:r>
+            <a:endParaRPr lang="en-TH"/>
+          </a:p>
+        </p:txBody>
+      </p:sp>
+      <p:sp>
+        <p:nvSpPr>
+          <p:cNvPr id="5" name="Slide Number Placeholder 4">
+            <a:extLst>
+              <a:ext uri="{FF2B5EF4-FFF2-40B4-BE49-F238E27FC236}">
+                <a16:creationId xmlns:a16="http://schemas.microsoft.com/office/drawing/2014/main" id="{530C41B7-F35E-4D5E-2B9D-80B69E13F302}"/>
+              </a:ext>
+            </a:extLst>
+          </p:cNvPr>
+          <p:cNvSpPr>
+            <a:spLocks noGrp="1"/>
+          </p:cNvSpPr>
+          <p:nvPr>
+            <p:ph type="sldNum" sz="quarter" idx="12"/>
+          </p:nvPr>
+        </p:nvSpPr>
+        <p:spPr/>
+        <p:txBody>
+          <a:bodyPr/>
+          <a:lstStyle/>
+          <a:p>
+            <a:fld id="{82A79A84-B2F5-E448-8A60-73858E686C94}" type="slidenum">
+              <a:rPr lang="en-TH" smtClean="0"/>
+              <a:t>21</a:t>
+            </a:fld>
+            <a:endParaRPr lang="en-TH"/>
+          </a:p>
+        </p:txBody>
+      </p:sp>
+      <p:grpSp>
+        <p:nvGrpSpPr>
+          <p:cNvPr id="38" name="Group 37">
+            <a:extLst>
+              <a:ext uri="{FF2B5EF4-FFF2-40B4-BE49-F238E27FC236}">
+                <a16:creationId xmlns:a16="http://schemas.microsoft.com/office/drawing/2014/main" id="{49022965-D995-C16D-D435-1C6475FB9492}"/>
+              </a:ext>
+            </a:extLst>
+          </p:cNvPr>
+          <p:cNvGrpSpPr/>
+          <p:nvPr/>
+        </p:nvGrpSpPr>
+        <p:grpSpPr>
+          <a:xfrm>
+            <a:off x="8153400" y="878287"/>
+            <a:ext cx="2459841" cy="5101425"/>
+            <a:chOff x="4866076" y="870741"/>
+            <a:chExt cx="2459841" cy="5101425"/>
+          </a:xfrm>
+        </p:grpSpPr>
+        <p:cxnSp>
+          <p:nvCxnSpPr>
+            <p:cNvPr id="11" name="Straight Arrow Connector 10">
+              <a:extLst>
+                <a:ext uri="{FF2B5EF4-FFF2-40B4-BE49-F238E27FC236}">
+                  <a16:creationId xmlns:a16="http://schemas.microsoft.com/office/drawing/2014/main" id="{6E0D26EB-C0EB-400C-05EA-6D7348AC2140}"/>
+                </a:ext>
+              </a:extLst>
+            </p:cNvPr>
+            <p:cNvCxnSpPr>
+              <a:cxnSpLocks/>
+              <a:stCxn id="12" idx="4"/>
+              <a:endCxn id="15" idx="0"/>
+            </p:cNvCxnSpPr>
+            <p:nvPr/>
+          </p:nvCxnSpPr>
+          <p:spPr>
+            <a:xfrm flipH="1">
+              <a:off x="6095997" y="1690688"/>
+              <a:ext cx="3" cy="607213"/>
+            </a:xfrm>
+            <a:prstGeom prst="straightConnector1">
+              <a:avLst/>
+            </a:prstGeom>
+            <a:ln w="38100">
+              <a:solidFill>
+                <a:schemeClr val="tx1"/>
+              </a:solidFill>
+              <a:tailEnd type="triangle"/>
+            </a:ln>
+          </p:spPr>
+          <p:style>
+            <a:lnRef idx="1">
+              <a:schemeClr val="accent1"/>
+            </a:lnRef>
+            <a:fillRef idx="0">
+              <a:schemeClr val="accent1"/>
+            </a:fillRef>
+            <a:effectRef idx="0">
+              <a:schemeClr val="accent1"/>
+            </a:effectRef>
+            <a:fontRef idx="minor">
+              <a:schemeClr val="tx1"/>
+            </a:fontRef>
+          </p:style>
+        </p:cxnSp>
+        <p:sp>
+          <p:nvSpPr>
+            <p:cNvPr id="12" name="Oval 11">
+              <a:extLst>
+                <a:ext uri="{FF2B5EF4-FFF2-40B4-BE49-F238E27FC236}">
+                  <a16:creationId xmlns:a16="http://schemas.microsoft.com/office/drawing/2014/main" id="{A6334CE3-9DCE-E8D2-B8E9-470C2BC86BF2}"/>
+                </a:ext>
+              </a:extLst>
+            </p:cNvPr>
+            <p:cNvSpPr/>
+            <p:nvPr/>
+          </p:nvSpPr>
+          <p:spPr>
+            <a:xfrm>
+              <a:off x="5686026" y="870741"/>
+              <a:ext cx="819947" cy="819947"/>
+            </a:xfrm>
+            <a:prstGeom prst="ellipse">
+              <a:avLst/>
+            </a:prstGeom>
+            <a:noFill/>
+            <a:ln w="28575">
+              <a:solidFill>
+                <a:schemeClr val="accent4"/>
+              </a:solidFill>
+            </a:ln>
+          </p:spPr>
+          <p:style>
+            <a:lnRef idx="2">
+              <a:schemeClr val="accent1">
+                <a:shade val="50000"/>
+              </a:schemeClr>
+            </a:lnRef>
+            <a:fillRef idx="1">
+              <a:schemeClr val="accent1"/>
+            </a:fillRef>
+            <a:effectRef idx="0">
+              <a:schemeClr val="accent1"/>
+            </a:effectRef>
+            <a:fontRef idx="minor">
+              <a:schemeClr val="lt1"/>
+            </a:fontRef>
+          </p:style>
+          <p:txBody>
+            <a:bodyPr rtlCol="0" anchor="ctr"/>
+            <a:lstStyle/>
+            <a:p>
+              <a:pPr algn="ctr"/>
+              <a:r>
+                <a:rPr lang="en-TH" b="1" dirty="0">
+                  <a:latin typeface="Sarabun" pitchFamily="2" charset="-34"/>
+                  <a:cs typeface="Sarabun" pitchFamily="2" charset="-34"/>
+                </a:rPr>
+                <a:t>P1</a:t>
+              </a:r>
+            </a:p>
+          </p:txBody>
+        </p:sp>
+        <p:sp>
+          <p:nvSpPr>
+            <p:cNvPr id="13" name="Oval 12">
+              <a:extLst>
+                <a:ext uri="{FF2B5EF4-FFF2-40B4-BE49-F238E27FC236}">
+                  <a16:creationId xmlns:a16="http://schemas.microsoft.com/office/drawing/2014/main" id="{202BEA3E-BD83-46D4-E725-B8803151380D}"/>
+                </a:ext>
+              </a:extLst>
+            </p:cNvPr>
+            <p:cNvSpPr/>
+            <p:nvPr/>
+          </p:nvSpPr>
+          <p:spPr>
+            <a:xfrm>
+              <a:off x="5686022" y="5152219"/>
+              <a:ext cx="819947" cy="819947"/>
+            </a:xfrm>
+            <a:prstGeom prst="ellipse">
+              <a:avLst/>
+            </a:prstGeom>
+            <a:noFill/>
+            <a:ln w="28575">
+              <a:solidFill>
+                <a:schemeClr val="accent4"/>
+              </a:solidFill>
+            </a:ln>
+          </p:spPr>
+          <p:style>
+            <a:lnRef idx="2">
+              <a:schemeClr val="accent1">
+                <a:shade val="50000"/>
+              </a:schemeClr>
+            </a:lnRef>
+            <a:fillRef idx="1">
+              <a:schemeClr val="accent1"/>
+            </a:fillRef>
+            <a:effectRef idx="0">
+              <a:schemeClr val="accent1"/>
+            </a:effectRef>
+            <a:fontRef idx="minor">
+              <a:schemeClr val="lt1"/>
+            </a:fontRef>
+          </p:style>
+          <p:txBody>
+            <a:bodyPr rtlCol="0" anchor="ctr"/>
+            <a:lstStyle/>
+            <a:p>
+              <a:pPr algn="ctr"/>
+              <a:r>
+                <a:rPr lang="en-TH" b="1" dirty="0">
+                  <a:latin typeface="Sarabun" pitchFamily="2" charset="-34"/>
+                  <a:cs typeface="Sarabun" pitchFamily="2" charset="-34"/>
+                </a:rPr>
+                <a:t>P3</a:t>
+              </a:r>
+            </a:p>
+          </p:txBody>
+        </p:sp>
+        <p:sp>
+          <p:nvSpPr>
+            <p:cNvPr id="15" name="Oval 14">
+              <a:extLst>
+                <a:ext uri="{FF2B5EF4-FFF2-40B4-BE49-F238E27FC236}">
+                  <a16:creationId xmlns:a16="http://schemas.microsoft.com/office/drawing/2014/main" id="{80343A6E-031E-A86C-9E4C-CBDFEDA93F37}"/>
+                </a:ext>
+              </a:extLst>
+            </p:cNvPr>
+            <p:cNvSpPr/>
+            <p:nvPr/>
+          </p:nvSpPr>
+          <p:spPr>
+            <a:xfrm>
+              <a:off x="5686023" y="2297901"/>
+              <a:ext cx="819947" cy="819947"/>
+            </a:xfrm>
+            <a:prstGeom prst="ellipse">
+              <a:avLst/>
+            </a:prstGeom>
+            <a:solidFill>
+              <a:schemeClr val="accent1">
+                <a:lumMod val="75000"/>
+              </a:schemeClr>
+            </a:solidFill>
+            <a:ln w="28575">
+              <a:solidFill>
+                <a:schemeClr val="tx1"/>
+              </a:solidFill>
+            </a:ln>
+          </p:spPr>
+          <p:style>
+            <a:lnRef idx="2">
+              <a:schemeClr val="accent1">
+                <a:shade val="50000"/>
+              </a:schemeClr>
+            </a:lnRef>
+            <a:fillRef idx="1">
+              <a:schemeClr val="accent1"/>
+            </a:fillRef>
+            <a:effectRef idx="0">
+              <a:schemeClr val="accent1"/>
+            </a:effectRef>
+            <a:fontRef idx="minor">
+              <a:schemeClr val="lt1"/>
+            </a:fontRef>
+          </p:style>
+          <p:txBody>
+            <a:bodyPr rtlCol="0" anchor="ctr"/>
+            <a:lstStyle/>
+            <a:p>
+              <a:pPr algn="ctr"/>
+              <a:r>
+                <a:rPr lang="en-TH" b="1" dirty="0">
+                  <a:latin typeface="Sarabun" pitchFamily="2" charset="-34"/>
+                  <a:cs typeface="Sarabun" pitchFamily="2" charset="-34"/>
+                </a:rPr>
+                <a:t>?</a:t>
+              </a:r>
+            </a:p>
+          </p:txBody>
+        </p:sp>
+        <p:sp>
+          <p:nvSpPr>
+            <p:cNvPr id="16" name="Oval 15">
+              <a:extLst>
+                <a:ext uri="{FF2B5EF4-FFF2-40B4-BE49-F238E27FC236}">
+                  <a16:creationId xmlns:a16="http://schemas.microsoft.com/office/drawing/2014/main" id="{376B10F7-802D-D39B-2A5D-8DEAE39413FA}"/>
+                </a:ext>
+              </a:extLst>
+            </p:cNvPr>
+            <p:cNvSpPr/>
+            <p:nvPr/>
+          </p:nvSpPr>
+          <p:spPr>
+            <a:xfrm>
+              <a:off x="4866076" y="3725061"/>
+              <a:ext cx="819947" cy="819947"/>
+            </a:xfrm>
+            <a:prstGeom prst="ellipse">
+              <a:avLst/>
+            </a:prstGeom>
+            <a:noFill/>
+            <a:ln w="28575">
+              <a:solidFill>
+                <a:schemeClr val="accent4"/>
+              </a:solidFill>
+            </a:ln>
+          </p:spPr>
+          <p:style>
+            <a:lnRef idx="2">
+              <a:schemeClr val="accent1">
+                <a:shade val="50000"/>
+              </a:schemeClr>
+            </a:lnRef>
+            <a:fillRef idx="1">
+              <a:schemeClr val="accent1"/>
+            </a:fillRef>
+            <a:effectRef idx="0">
+              <a:schemeClr val="accent1"/>
+            </a:effectRef>
+            <a:fontRef idx="minor">
+              <a:schemeClr val="lt1"/>
+            </a:fontRef>
+          </p:style>
+          <p:txBody>
+            <a:bodyPr rtlCol="0" anchor="ctr"/>
+            <a:lstStyle/>
+            <a:p>
+              <a:pPr algn="ctr"/>
+              <a:r>
+                <a:rPr lang="en-TH" sz="1600" b="1" dirty="0">
+                  <a:latin typeface="Sarabun" pitchFamily="2" charset="-34"/>
+                  <a:cs typeface="Sarabun" pitchFamily="2" charset="-34"/>
+                </a:rPr>
+                <a:t>P2A</a:t>
+              </a:r>
+            </a:p>
+          </p:txBody>
+        </p:sp>
+        <p:sp>
+          <p:nvSpPr>
+            <p:cNvPr id="17" name="Oval 16">
+              <a:extLst>
+                <a:ext uri="{FF2B5EF4-FFF2-40B4-BE49-F238E27FC236}">
+                  <a16:creationId xmlns:a16="http://schemas.microsoft.com/office/drawing/2014/main" id="{1A0E5F58-C8EC-90BB-1D82-6FC972EA2494}"/>
+                </a:ext>
+              </a:extLst>
+            </p:cNvPr>
+            <p:cNvSpPr/>
+            <p:nvPr/>
+          </p:nvSpPr>
+          <p:spPr>
+            <a:xfrm>
+              <a:off x="6505970" y="3725060"/>
+              <a:ext cx="819947" cy="819947"/>
+            </a:xfrm>
+            <a:prstGeom prst="ellipse">
+              <a:avLst/>
+            </a:prstGeom>
+            <a:noFill/>
+            <a:ln w="28575">
+              <a:solidFill>
+                <a:schemeClr val="accent4"/>
+              </a:solidFill>
+            </a:ln>
+          </p:spPr>
+          <p:style>
+            <a:lnRef idx="2">
+              <a:schemeClr val="accent1">
+                <a:shade val="50000"/>
+              </a:schemeClr>
+            </a:lnRef>
+            <a:fillRef idx="1">
+              <a:schemeClr val="accent1"/>
+            </a:fillRef>
+            <a:effectRef idx="0">
+              <a:schemeClr val="accent1"/>
+            </a:effectRef>
+            <a:fontRef idx="minor">
+              <a:schemeClr val="lt1"/>
+            </a:fontRef>
+          </p:style>
+          <p:txBody>
+            <a:bodyPr rtlCol="0" anchor="ctr"/>
+            <a:lstStyle/>
+            <a:p>
+              <a:pPr algn="ctr"/>
+              <a:r>
+                <a:rPr lang="en-TH" sz="1600" b="1" dirty="0">
+                  <a:latin typeface="Sarabun" pitchFamily="2" charset="-34"/>
+                  <a:cs typeface="Sarabun" pitchFamily="2" charset="-34"/>
+                </a:rPr>
+                <a:t>P2B</a:t>
+              </a:r>
+            </a:p>
+          </p:txBody>
+        </p:sp>
+        <p:cxnSp>
+          <p:nvCxnSpPr>
+            <p:cNvPr id="19" name="Straight Arrow Connector 18">
+              <a:extLst>
+                <a:ext uri="{FF2B5EF4-FFF2-40B4-BE49-F238E27FC236}">
+                  <a16:creationId xmlns:a16="http://schemas.microsoft.com/office/drawing/2014/main" id="{FA2E130D-E4D3-D196-100E-404CF791BDE0}"/>
+                </a:ext>
+              </a:extLst>
+            </p:cNvPr>
+            <p:cNvCxnSpPr>
+              <a:cxnSpLocks/>
+              <a:stCxn id="15" idx="3"/>
+              <a:endCxn id="16" idx="0"/>
+            </p:cNvCxnSpPr>
+            <p:nvPr/>
+          </p:nvCxnSpPr>
+          <p:spPr>
+            <a:xfrm flipH="1">
+              <a:off x="5276050" y="2997770"/>
+              <a:ext cx="530051" cy="727291"/>
+            </a:xfrm>
+            <a:prstGeom prst="straightConnector1">
+              <a:avLst/>
+            </a:prstGeom>
+            <a:ln w="38100">
+              <a:solidFill>
+                <a:schemeClr val="tx1"/>
+              </a:solidFill>
+              <a:tailEnd type="triangle"/>
+            </a:ln>
+          </p:spPr>
+          <p:style>
+            <a:lnRef idx="1">
+              <a:schemeClr val="accent1"/>
+            </a:lnRef>
+            <a:fillRef idx="0">
+              <a:schemeClr val="accent1"/>
+            </a:fillRef>
+            <a:effectRef idx="0">
+              <a:schemeClr val="accent1"/>
+            </a:effectRef>
+            <a:fontRef idx="minor">
+              <a:schemeClr val="tx1"/>
+            </a:fontRef>
+          </p:style>
+        </p:cxnSp>
+        <p:cxnSp>
+          <p:nvCxnSpPr>
+            <p:cNvPr id="26" name="Straight Arrow Connector 25">
+              <a:extLst>
+                <a:ext uri="{FF2B5EF4-FFF2-40B4-BE49-F238E27FC236}">
+                  <a16:creationId xmlns:a16="http://schemas.microsoft.com/office/drawing/2014/main" id="{5987BBD2-8B62-1C8B-18EC-74F1BC2E3B10}"/>
+                </a:ext>
+              </a:extLst>
+            </p:cNvPr>
+            <p:cNvCxnSpPr>
+              <a:cxnSpLocks/>
+              <a:stCxn id="15" idx="5"/>
+              <a:endCxn id="17" idx="0"/>
+            </p:cNvCxnSpPr>
+            <p:nvPr/>
+          </p:nvCxnSpPr>
+          <p:spPr>
+            <a:xfrm>
+              <a:off x="6385892" y="2997770"/>
+              <a:ext cx="530052" cy="727290"/>
+            </a:xfrm>
+            <a:prstGeom prst="straightConnector1">
+              <a:avLst/>
+            </a:prstGeom>
+            <a:ln w="38100">
+              <a:solidFill>
+                <a:schemeClr val="tx1"/>
+              </a:solidFill>
+              <a:tailEnd type="triangle"/>
+            </a:ln>
+          </p:spPr>
+          <p:style>
+            <a:lnRef idx="1">
+              <a:schemeClr val="accent1"/>
+            </a:lnRef>
+            <a:fillRef idx="0">
+              <a:schemeClr val="accent1"/>
+            </a:fillRef>
+            <a:effectRef idx="0">
+              <a:schemeClr val="accent1"/>
+            </a:effectRef>
+            <a:fontRef idx="minor">
+              <a:schemeClr val="tx1"/>
+            </a:fontRef>
+          </p:style>
+        </p:cxnSp>
+        <p:cxnSp>
+          <p:nvCxnSpPr>
+            <p:cNvPr id="30" name="Straight Arrow Connector 29">
+              <a:extLst>
+                <a:ext uri="{FF2B5EF4-FFF2-40B4-BE49-F238E27FC236}">
+                  <a16:creationId xmlns:a16="http://schemas.microsoft.com/office/drawing/2014/main" id="{3AE27D3D-2AEB-AFD2-D13F-285FA9754502}"/>
+                </a:ext>
+              </a:extLst>
+            </p:cNvPr>
+            <p:cNvCxnSpPr>
+              <a:cxnSpLocks/>
+              <a:stCxn id="16" idx="4"/>
+              <a:endCxn id="13" idx="1"/>
+            </p:cNvCxnSpPr>
+            <p:nvPr/>
+          </p:nvCxnSpPr>
+          <p:spPr>
+            <a:xfrm>
+              <a:off x="5276050" y="4545008"/>
+              <a:ext cx="530050" cy="727289"/>
+            </a:xfrm>
+            <a:prstGeom prst="straightConnector1">
+              <a:avLst/>
+            </a:prstGeom>
+            <a:ln w="38100">
+              <a:solidFill>
+                <a:schemeClr val="tx1"/>
+              </a:solidFill>
+              <a:tailEnd type="triangle"/>
+            </a:ln>
+          </p:spPr>
+          <p:style>
+            <a:lnRef idx="1">
+              <a:schemeClr val="accent1"/>
+            </a:lnRef>
+            <a:fillRef idx="0">
+              <a:schemeClr val="accent1"/>
+            </a:fillRef>
+            <a:effectRef idx="0">
+              <a:schemeClr val="accent1"/>
+            </a:effectRef>
+            <a:fontRef idx="minor">
+              <a:schemeClr val="tx1"/>
+            </a:fontRef>
+          </p:style>
+        </p:cxnSp>
+        <p:cxnSp>
+          <p:nvCxnSpPr>
+            <p:cNvPr id="34" name="Straight Arrow Connector 33">
+              <a:extLst>
+                <a:ext uri="{FF2B5EF4-FFF2-40B4-BE49-F238E27FC236}">
+                  <a16:creationId xmlns:a16="http://schemas.microsoft.com/office/drawing/2014/main" id="{0E963973-49F4-6CB8-D7DF-896E4268919F}"/>
+                </a:ext>
+              </a:extLst>
+            </p:cNvPr>
+            <p:cNvCxnSpPr>
+              <a:cxnSpLocks/>
+              <a:stCxn id="17" idx="4"/>
+              <a:endCxn id="13" idx="7"/>
+            </p:cNvCxnSpPr>
+            <p:nvPr/>
+          </p:nvCxnSpPr>
+          <p:spPr>
+            <a:xfrm flipH="1">
+              <a:off x="6385891" y="4545007"/>
+              <a:ext cx="530053" cy="727290"/>
+            </a:xfrm>
+            <a:prstGeom prst="straightConnector1">
+              <a:avLst/>
+            </a:prstGeom>
+            <a:ln w="38100">
+              <a:solidFill>
+                <a:schemeClr val="tx1"/>
+              </a:solidFill>
+              <a:tailEnd type="triangle"/>
+            </a:ln>
+          </p:spPr>
+          <p:style>
+            <a:lnRef idx="1">
+              <a:schemeClr val="accent1"/>
+            </a:lnRef>
+            <a:fillRef idx="0">
+              <a:schemeClr val="accent1"/>
+            </a:fillRef>
+            <a:effectRef idx="0">
+              <a:schemeClr val="accent1"/>
+            </a:effectRef>
+            <a:fontRef idx="minor">
+              <a:schemeClr val="tx1"/>
+            </a:fontRef>
+          </p:style>
+        </p:cxnSp>
+      </p:grpSp>
+      <p:sp>
+        <p:nvSpPr>
+          <p:cNvPr id="40" name="TextBox 39">
+            <a:extLst>
+              <a:ext uri="{FF2B5EF4-FFF2-40B4-BE49-F238E27FC236}">
+                <a16:creationId xmlns:a16="http://schemas.microsoft.com/office/drawing/2014/main" id="{C42AD8D8-4C09-31F3-3F4D-56431657E038}"/>
+              </a:ext>
+            </a:extLst>
+          </p:cNvPr>
+          <p:cNvSpPr txBox="1"/>
+          <p:nvPr/>
+        </p:nvSpPr>
+        <p:spPr>
+          <a:xfrm>
+            <a:off x="838200" y="2001840"/>
+            <a:ext cx="5205386" cy="3046988"/>
+          </a:xfrm>
+          <a:prstGeom prst="rect">
+            <a:avLst/>
+          </a:prstGeom>
+          <a:noFill/>
+        </p:spPr>
+        <p:txBody>
+          <a:bodyPr wrap="square" rtlCol="0">
+            <a:spAutoFit/>
+          </a:bodyPr>
+          <a:lstStyle/>
+          <a:p>
+            <a:r>
+              <a:rPr lang="en-TH" sz="1600" dirty="0">
+                <a:latin typeface="Sarabun" pitchFamily="2" charset="-34"/>
+                <a:cs typeface="Sarabun" pitchFamily="2" charset="-34"/>
+              </a:rPr>
+              <a:t>A program flow is the sequence and set of processes the program will operate.</a:t>
+            </a:r>
+          </a:p>
+          <a:p>
+            <a:endParaRPr lang="en-TH" sz="1600" i="1" dirty="0">
+              <a:latin typeface="Sarabun" pitchFamily="2" charset="-34"/>
+              <a:cs typeface="Sarabun" pitchFamily="2" charset="-34"/>
+            </a:endParaRPr>
+          </a:p>
+          <a:p>
+            <a:r>
+              <a:rPr lang="en-TH" sz="1600" dirty="0">
+                <a:latin typeface="Sarabun" pitchFamily="2" charset="-34"/>
+                <a:cs typeface="Sarabun" pitchFamily="2" charset="-34"/>
+              </a:rPr>
+              <a:t>A program may have a control flow </a:t>
+            </a:r>
+            <a:r>
+              <a:rPr lang="en-TH" sz="1600" i="1" dirty="0">
+                <a:latin typeface="Sarabun" pitchFamily="2" charset="-34"/>
+                <a:cs typeface="Sarabun" pitchFamily="2" charset="-34"/>
+              </a:rPr>
+              <a:t>controlling</a:t>
+            </a:r>
+            <a:r>
+              <a:rPr lang="en-TH" sz="1600" dirty="0">
+                <a:latin typeface="Sarabun" pitchFamily="2" charset="-34"/>
+                <a:cs typeface="Sarabun" pitchFamily="2" charset="-34"/>
+              </a:rPr>
+              <a:t> in what order and what processes should the program follow.</a:t>
+            </a:r>
+          </a:p>
+          <a:p>
+            <a:endParaRPr lang="en-TH" sz="1600" dirty="0">
+              <a:latin typeface="Sarabun" pitchFamily="2" charset="-34"/>
+              <a:cs typeface="Sarabun" pitchFamily="2" charset="-34"/>
+            </a:endParaRPr>
+          </a:p>
+          <a:p>
+            <a:r>
+              <a:rPr lang="en-TH" sz="1600" dirty="0">
+                <a:latin typeface="Sarabun" pitchFamily="2" charset="-34"/>
+                <a:cs typeface="Sarabun" pitchFamily="2" charset="-34"/>
+              </a:rPr>
+              <a:t>There are 3 types of control flow:</a:t>
+            </a:r>
+          </a:p>
+          <a:p>
+            <a:pPr marL="342900" indent="-342900">
+              <a:buAutoNum type="arabicPeriod"/>
+            </a:pPr>
+            <a:r>
+              <a:rPr lang="en-TH" sz="1600" dirty="0">
+                <a:latin typeface="Sarabun" pitchFamily="2" charset="-34"/>
+                <a:cs typeface="Sarabun" pitchFamily="2" charset="-34"/>
+              </a:rPr>
+              <a:t>Selection statements,</a:t>
+            </a:r>
+          </a:p>
+          <a:p>
+            <a:pPr marL="342900" indent="-342900">
+              <a:buAutoNum type="arabicPeriod"/>
+            </a:pPr>
+            <a:r>
+              <a:rPr lang="en-TH" sz="1600" dirty="0">
+                <a:latin typeface="Sarabun" pitchFamily="2" charset="-34"/>
+                <a:cs typeface="Sarabun" pitchFamily="2" charset="-34"/>
+              </a:rPr>
+              <a:t>Iterative (loop) statements,</a:t>
+            </a:r>
+          </a:p>
+          <a:p>
+            <a:pPr marL="342900" indent="-342900">
+              <a:buAutoNum type="arabicPeriod"/>
+            </a:pPr>
+            <a:r>
+              <a:rPr lang="en-TH" sz="1600" dirty="0">
+                <a:latin typeface="Sarabun" pitchFamily="2" charset="-34"/>
+                <a:cs typeface="Sarabun" pitchFamily="2" charset="-34"/>
+              </a:rPr>
+              <a:t>Transfer statements,</a:t>
+            </a:r>
+          </a:p>
+          <a:p>
+            <a:endParaRPr lang="en-TH" sz="1600" dirty="0">
+              <a:latin typeface="Sarabun" pitchFamily="2" charset="-34"/>
+              <a:cs typeface="Sarabun" pitchFamily="2" charset="-34"/>
+            </a:endParaRPr>
+          </a:p>
+          <a:p>
+            <a:r>
+              <a:rPr lang="en-US" sz="1600" dirty="0">
+                <a:latin typeface="Sarabun" pitchFamily="2" charset="-34"/>
+                <a:cs typeface="Sarabun" pitchFamily="2" charset="-34"/>
+              </a:rPr>
+              <a:t>w</a:t>
+            </a:r>
+            <a:r>
+              <a:rPr lang="en-TH" sz="1600" dirty="0">
+                <a:latin typeface="Sarabun" pitchFamily="2" charset="-34"/>
+                <a:cs typeface="Sarabun" pitchFamily="2" charset="-34"/>
+              </a:rPr>
+              <a:t>hich we will discuss in </a:t>
+            </a:r>
+            <a:r>
+              <a:rPr lang="en-US" sz="1600" dirty="0">
+                <a:latin typeface="Sarabun" pitchFamily="2" charset="-34"/>
+                <a:cs typeface="Sarabun" pitchFamily="2" charset="-34"/>
+              </a:rPr>
+              <a:t>detail</a:t>
+            </a:r>
+            <a:r>
+              <a:rPr lang="en-TH" sz="1600" dirty="0">
+                <a:latin typeface="Sarabun" pitchFamily="2" charset="-34"/>
+                <a:cs typeface="Sarabun" pitchFamily="2" charset="-34"/>
+              </a:rPr>
+              <a:t> later.</a:t>
+            </a:r>
+          </a:p>
+        </p:txBody>
+      </p:sp>
+    </p:spTree>
+    <p:extLst>
+      <p:ext uri="{BB962C8B-B14F-4D97-AF65-F5344CB8AC3E}">
+        <p14:creationId xmlns:p14="http://schemas.microsoft.com/office/powerpoint/2010/main" val="529752355"/>
+      </p:ext>
+    </p:extLst>
+  </p:cSld>
+  <p:clrMapOvr>
+    <a:masterClrMapping/>
+  </p:clrMapOvr>
+</p:sld>
+</file>
+
+<file path=ppt/slides/slide22.xml><?xml version="1.0" encoding="utf-8"?>
+<p:sld xmlns:a="http://schemas.openxmlformats.org/drawingml/2006/main" xmlns:r="http://schemas.openxmlformats.org/officeDocument/2006/relationships" xmlns:p="http://schemas.openxmlformats.org/presentationml/2006/main">
+  <p:cSld>
+    <p:spTree>
+      <p:nvGrpSpPr>
+        <p:cNvPr id="1" name=""/>
+        <p:cNvGrpSpPr/>
+        <p:nvPr/>
+      </p:nvGrpSpPr>
+      <p:grpSpPr>
+        <a:xfrm>
+          <a:off x="0" y="0"/>
+          <a:ext cx="0" cy="0"/>
+          <a:chOff x="0" y="0"/>
+          <a:chExt cx="0" cy="0"/>
+        </a:xfrm>
+      </p:grpSpPr>
+      <p:sp>
+        <p:nvSpPr>
+          <p:cNvPr id="2" name="Title 1">
+            <a:extLst>
+              <a:ext uri="{FF2B5EF4-FFF2-40B4-BE49-F238E27FC236}">
+                <a16:creationId xmlns:a16="http://schemas.microsoft.com/office/drawing/2014/main" id="{41B5D188-1C8E-1B91-0BE9-7756D76465E4}"/>
+              </a:ext>
+            </a:extLst>
+          </p:cNvPr>
+          <p:cNvSpPr>
+            <a:spLocks noGrp="1"/>
+          </p:cNvSpPr>
+          <p:nvPr>
+            <p:ph type="title"/>
+          </p:nvPr>
+        </p:nvSpPr>
+        <p:spPr/>
+        <p:txBody>
+          <a:bodyPr/>
+          <a:lstStyle/>
+          <a:p>
+            <a:r>
+              <a:rPr lang="en-TH" sz="2400" dirty="0">
+                <a:solidFill>
+                  <a:schemeClr val="accent4"/>
+                </a:solidFill>
+              </a:rPr>
+              <a:t>Language Features</a:t>
+            </a:r>
+            <a:br>
+              <a:rPr lang="en-TH" dirty="0"/>
+            </a:br>
+            <a:r>
+              <a:rPr lang="en-TH" dirty="0"/>
+              <a:t>Statements vs Expressions</a:t>
+            </a:r>
+          </a:p>
+        </p:txBody>
+      </p:sp>
+      <p:sp>
+        <p:nvSpPr>
+          <p:cNvPr id="4" name="Footer Placeholder 3">
+            <a:extLst>
+              <a:ext uri="{FF2B5EF4-FFF2-40B4-BE49-F238E27FC236}">
+                <a16:creationId xmlns:a16="http://schemas.microsoft.com/office/drawing/2014/main" id="{BF97BC1C-D274-4CE0-EC09-A768639F1E66}"/>
+              </a:ext>
+            </a:extLst>
+          </p:cNvPr>
+          <p:cNvSpPr>
+            <a:spLocks noGrp="1"/>
+          </p:cNvSpPr>
+          <p:nvPr>
+            <p:ph type="ftr" sz="quarter" idx="11"/>
+          </p:nvPr>
+        </p:nvSpPr>
+        <p:spPr/>
+        <p:txBody>
+          <a:bodyPr/>
+          <a:lstStyle/>
+          <a:p>
+            <a:r>
+              <a:rPr lang="en-US"/>
+              <a:t>Introduction to Computer Programming</a:t>
+            </a:r>
+            <a:endParaRPr lang="en-TH"/>
+          </a:p>
+        </p:txBody>
+      </p:sp>
+      <p:sp>
+        <p:nvSpPr>
+          <p:cNvPr id="5" name="Slide Number Placeholder 4">
+            <a:extLst>
+              <a:ext uri="{FF2B5EF4-FFF2-40B4-BE49-F238E27FC236}">
+                <a16:creationId xmlns:a16="http://schemas.microsoft.com/office/drawing/2014/main" id="{530C41B7-F35E-4D5E-2B9D-80B69E13F302}"/>
+              </a:ext>
+            </a:extLst>
+          </p:cNvPr>
+          <p:cNvSpPr>
+            <a:spLocks noGrp="1"/>
+          </p:cNvSpPr>
+          <p:nvPr>
+            <p:ph type="sldNum" sz="quarter" idx="12"/>
+          </p:nvPr>
+        </p:nvSpPr>
+        <p:spPr/>
+        <p:txBody>
+          <a:bodyPr/>
+          <a:lstStyle/>
+          <a:p>
+            <a:fld id="{82A79A84-B2F5-E448-8A60-73858E686C94}" type="slidenum">
+              <a:rPr lang="en-TH" smtClean="0"/>
+              <a:t>22</a:t>
+            </a:fld>
+            <a:endParaRPr lang="en-TH"/>
+          </a:p>
+        </p:txBody>
+      </p:sp>
+      <p:sp>
+        <p:nvSpPr>
+          <p:cNvPr id="11" name="TextBox 10">
+            <a:extLst>
+              <a:ext uri="{FF2B5EF4-FFF2-40B4-BE49-F238E27FC236}">
+                <a16:creationId xmlns:a16="http://schemas.microsoft.com/office/drawing/2014/main" id="{698909A1-61AA-49B4-8F21-D620E3E5FCE0}"/>
+              </a:ext>
+            </a:extLst>
+          </p:cNvPr>
+          <p:cNvSpPr txBox="1"/>
+          <p:nvPr/>
+        </p:nvSpPr>
+        <p:spPr>
+          <a:xfrm>
+            <a:off x="838200" y="2001840"/>
+            <a:ext cx="5205386" cy="1815882"/>
+          </a:xfrm>
+          <a:prstGeom prst="rect">
+            <a:avLst/>
+          </a:prstGeom>
+          <a:noFill/>
+        </p:spPr>
+        <p:txBody>
+          <a:bodyPr wrap="square" rtlCol="0">
+            <a:spAutoFit/>
+          </a:bodyPr>
+          <a:lstStyle/>
+          <a:p>
+            <a:r>
+              <a:rPr lang="en-US" sz="1600" dirty="0">
+                <a:latin typeface="Sarabun" pitchFamily="2" charset="-34"/>
+                <a:cs typeface="Sarabun" pitchFamily="2" charset="-34"/>
+              </a:rPr>
+              <a:t>A </a:t>
+            </a:r>
+            <a:r>
+              <a:rPr lang="en-US" sz="1600" b="1" dirty="0">
+                <a:latin typeface="Sarabun" pitchFamily="2" charset="-34"/>
+                <a:cs typeface="Sarabun" pitchFamily="2" charset="-34"/>
+              </a:rPr>
+              <a:t>statement</a:t>
+            </a:r>
+            <a:r>
+              <a:rPr lang="en-US" sz="1600" dirty="0">
+                <a:latin typeface="Sarabun" pitchFamily="2" charset="-34"/>
+                <a:cs typeface="Sarabun" pitchFamily="2" charset="-34"/>
+              </a:rPr>
+              <a:t> “does” something.</a:t>
+            </a:r>
+          </a:p>
+          <a:p>
+            <a:endParaRPr lang="en-US" sz="1600" dirty="0">
+              <a:latin typeface="Sarabun" pitchFamily="2" charset="-34"/>
+              <a:cs typeface="Sarabun" pitchFamily="2" charset="-34"/>
+            </a:endParaRPr>
+          </a:p>
+          <a:p>
+            <a:r>
+              <a:rPr lang="en-US" sz="1600" dirty="0">
+                <a:latin typeface="Sarabun" pitchFamily="2" charset="-34"/>
+                <a:cs typeface="Sarabun" pitchFamily="2" charset="-34"/>
+              </a:rPr>
+              <a:t>An </a:t>
+            </a:r>
+            <a:r>
+              <a:rPr lang="en-US" sz="1600" b="1" dirty="0">
+                <a:latin typeface="Sarabun" pitchFamily="2" charset="-34"/>
+                <a:cs typeface="Sarabun" pitchFamily="2" charset="-34"/>
+              </a:rPr>
+              <a:t>expression</a:t>
+            </a:r>
+            <a:r>
+              <a:rPr lang="en-US" sz="1600" dirty="0">
+                <a:latin typeface="Sarabun" pitchFamily="2" charset="-34"/>
+                <a:cs typeface="Sarabun" pitchFamily="2" charset="-34"/>
+              </a:rPr>
+              <a:t> always “produces” at least one value.</a:t>
+            </a:r>
+          </a:p>
+          <a:p>
+            <a:endParaRPr lang="en-US" sz="1600" dirty="0">
+              <a:latin typeface="Sarabun" pitchFamily="2" charset="-34"/>
+              <a:cs typeface="Sarabun" pitchFamily="2" charset="-34"/>
+            </a:endParaRPr>
+          </a:p>
+          <a:p>
+            <a:r>
+              <a:rPr lang="en-US" sz="1600" dirty="0">
+                <a:latin typeface="Sarabun" pitchFamily="2" charset="-34"/>
+                <a:cs typeface="Sarabun" pitchFamily="2" charset="-34"/>
+              </a:rPr>
+              <a:t>We will discuss later in control flow.</a:t>
+            </a:r>
+          </a:p>
+          <a:p>
+            <a:endParaRPr lang="en-US" sz="1600" dirty="0">
+              <a:latin typeface="Sarabun" pitchFamily="2" charset="-34"/>
+              <a:cs typeface="Sarabun" pitchFamily="2" charset="-34"/>
+            </a:endParaRPr>
+          </a:p>
+          <a:p>
+            <a:r>
+              <a:rPr lang="en-US" sz="1600" i="1" dirty="0">
+                <a:latin typeface="Sarabun" pitchFamily="2" charset="-34"/>
+                <a:cs typeface="Sarabun" pitchFamily="2" charset="-34"/>
+              </a:rPr>
+              <a:t>Examples:</a:t>
+            </a:r>
+            <a:endParaRPr lang="en-TH" sz="1600" i="1" dirty="0">
+              <a:latin typeface="Sarabun" pitchFamily="2" charset="-34"/>
+              <a:cs typeface="Sarabun" pitchFamily="2" charset="-34"/>
+            </a:endParaRPr>
+          </a:p>
+        </p:txBody>
+      </p:sp>
+    </p:spTree>
+    <p:extLst>
+      <p:ext uri="{BB962C8B-B14F-4D97-AF65-F5344CB8AC3E}">
+        <p14:creationId xmlns:p14="http://schemas.microsoft.com/office/powerpoint/2010/main" val="352023169"/>
+      </p:ext>
+    </p:extLst>
+  </p:cSld>
+  <p:clrMapOvr>
+    <a:masterClrMapping/>
+  </p:clrMapOvr>
+</p:sld>
+</file>
+
 <file path=ppt/slides/slide3.xml><?xml version="1.0" encoding="utf-8"?>
 <p:sld xmlns:a="http://schemas.openxmlformats.org/drawingml/2006/main" xmlns:r="http://schemas.openxmlformats.org/officeDocument/2006/relationships" xmlns:p="http://schemas.openxmlformats.org/presentationml/2006/main">
   <p:cSld>
@@ -21005,7 +22084,7 @@
           <a:p>
             <a:r>
               <a:rPr lang="en-TH" dirty="0"/>
-              <a:t>A Program</a:t>
+              <a:t>A Program Flow</a:t>
             </a:r>
           </a:p>
         </p:txBody>
